--- a/Presentation.pptx
+++ b/Presentation.pptx
@@ -115,6 +115,35 @@
       </a:defRPr>
     </a:lvl9pPr>
   </p:defaultTextStyle>
+  <p:extLst>
+    <p:ext uri="{521415D9-36F7-43E2-AB2F-B90AF26B5E84}">
+      <p14:sectionLst xmlns:p14="http://schemas.microsoft.com/office/powerpoint/2010/main">
+        <p14:section name="Standardabschnitt" id="{5324AB8B-9CF6-4524-81AF-895DD4171161}">
+          <p14:sldIdLst>
+            <p14:sldId id="256"/>
+            <p14:sldId id="257"/>
+            <p14:sldId id="258"/>
+            <p14:sldId id="259"/>
+            <p14:sldId id="260"/>
+            <p14:sldId id="261"/>
+            <p14:sldId id="262"/>
+            <p14:sldId id="263"/>
+            <p14:sldId id="264"/>
+          </p14:sldIdLst>
+        </p14:section>
+        <p14:section name="Abschnitt ohne Titel" id="{10FED94D-F0FA-401B-957C-6992D2F1194C}">
+          <p14:sldIdLst>
+            <p14:sldId id="265"/>
+            <p14:sldId id="267"/>
+            <p14:sldId id="266"/>
+          </p14:sldIdLst>
+        </p14:section>
+      </p14:sectionLst>
+    </p:ext>
+    <p:ext uri="{EFAFB233-063F-42B5-8137-9DF3F51BA10A}">
+      <p15:sldGuideLst xmlns:p15="http://schemas.microsoft.com/office/powerpoint/2012/main"/>
+    </p:ext>
+  </p:extLst>
 </p:presentation>
 </file>
 
@@ -307,7 +336,7 @@
             <a:fld id="{B61BEF0D-F0BB-DE4B-95CE-6DB70DBA9567}" type="datetimeFigureOut">
               <a:rPr lang="en-US" dirty="0"/>
               <a:pPr/>
-              <a:t>5/12/2018</a:t>
+              <a:t>5/13/2018</a:t>
             </a:fld>
             <a:endParaRPr lang="en-US" dirty="0"/>
           </a:p>
@@ -642,7 +671,7 @@
             <a:fld id="{B61BEF0D-F0BB-DE4B-95CE-6DB70DBA9567}" type="datetimeFigureOut">
               <a:rPr lang="en-US" dirty="0"/>
               <a:pPr/>
-              <a:t>5/12/2018</a:t>
+              <a:t>5/13/2018</a:t>
             </a:fld>
             <a:endParaRPr lang="en-US" dirty="0"/>
           </a:p>
@@ -1040,7 +1069,7 @@
             <a:fld id="{B61BEF0D-F0BB-DE4B-95CE-6DB70DBA9567}" type="datetimeFigureOut">
               <a:rPr lang="en-US" dirty="0"/>
               <a:pPr/>
-              <a:t>5/12/2018</a:t>
+              <a:t>5/13/2018</a:t>
             </a:fld>
             <a:endParaRPr lang="en-US" dirty="0"/>
           </a:p>
@@ -1373,7 +1402,7 @@
             <a:fld id="{B61BEF0D-F0BB-DE4B-95CE-6DB70DBA9567}" type="datetimeFigureOut">
               <a:rPr lang="en-US" dirty="0"/>
               <a:pPr/>
-              <a:t>5/12/2018</a:t>
+              <a:t>5/13/2018</a:t>
             </a:fld>
             <a:endParaRPr lang="en-US" dirty="0"/>
           </a:p>
@@ -1690,7 +1719,7 @@
             <a:fld id="{B61BEF0D-F0BB-DE4B-95CE-6DB70DBA9567}" type="datetimeFigureOut">
               <a:rPr lang="en-US" dirty="0"/>
               <a:pPr/>
-              <a:t>5/12/2018</a:t>
+              <a:t>5/13/2018</a:t>
             </a:fld>
             <a:endParaRPr lang="en-US" dirty="0"/>
           </a:p>
@@ -2083,7 +2112,7 @@
             <a:fld id="{B61BEF0D-F0BB-DE4B-95CE-6DB70DBA9567}" type="datetimeFigureOut">
               <a:rPr lang="en-US" dirty="0"/>
               <a:pPr/>
-              <a:t>5/12/2018</a:t>
+              <a:t>5/13/2018</a:t>
             </a:fld>
             <a:endParaRPr lang="en-US" dirty="0"/>
           </a:p>
@@ -2337,7 +2366,7 @@
             <a:fld id="{B61BEF0D-F0BB-DE4B-95CE-6DB70DBA9567}" type="datetimeFigureOut">
               <a:rPr lang="en-US" dirty="0"/>
               <a:pPr/>
-              <a:t>5/12/2018</a:t>
+              <a:t>5/13/2018</a:t>
             </a:fld>
             <a:endParaRPr lang="en-US" dirty="0"/>
           </a:p>
@@ -2596,7 +2625,7 @@
             <a:fld id="{B61BEF0D-F0BB-DE4B-95CE-6DB70DBA9567}" type="datetimeFigureOut">
               <a:rPr lang="en-US" dirty="0"/>
               <a:pPr/>
-              <a:t>5/12/2018</a:t>
+              <a:t>5/13/2018</a:t>
             </a:fld>
             <a:endParaRPr lang="en-US" dirty="0"/>
           </a:p>
@@ -2855,7 +2884,7 @@
             <a:fld id="{B61BEF0D-F0BB-DE4B-95CE-6DB70DBA9567}" type="datetimeFigureOut">
               <a:rPr lang="en-US" dirty="0"/>
               <a:pPr/>
-              <a:t>5/12/2018</a:t>
+              <a:t>5/13/2018</a:t>
             </a:fld>
             <a:endParaRPr lang="en-US" dirty="0"/>
           </a:p>
@@ -3181,7 +3210,7 @@
             <a:fld id="{B61BEF0D-F0BB-DE4B-95CE-6DB70DBA9567}" type="datetimeFigureOut">
               <a:rPr lang="en-US" dirty="0"/>
               <a:pPr/>
-              <a:t>5/12/2018</a:t>
+              <a:t>5/13/2018</a:t>
             </a:fld>
             <a:endParaRPr lang="en-US" dirty="0"/>
           </a:p>
@@ -3501,7 +3530,7 @@
             <a:fld id="{B61BEF0D-F0BB-DE4B-95CE-6DB70DBA9567}" type="datetimeFigureOut">
               <a:rPr lang="en-US" dirty="0"/>
               <a:pPr/>
-              <a:t>5/12/2018</a:t>
+              <a:t>5/13/2018</a:t>
             </a:fld>
             <a:endParaRPr lang="en-US" dirty="0"/>
           </a:p>
@@ -3955,7 +3984,7 @@
             <a:fld id="{B61BEF0D-F0BB-DE4B-95CE-6DB70DBA9567}" type="datetimeFigureOut">
               <a:rPr lang="en-US" dirty="0"/>
               <a:pPr/>
-              <a:t>5/12/2018</a:t>
+              <a:t>5/13/2018</a:t>
             </a:fld>
             <a:endParaRPr lang="en-US" dirty="0"/>
           </a:p>
@@ -4157,7 +4186,7 @@
             <a:fld id="{B61BEF0D-F0BB-DE4B-95CE-6DB70DBA9567}" type="datetimeFigureOut">
               <a:rPr lang="en-US" dirty="0"/>
               <a:pPr/>
-              <a:t>5/12/2018</a:t>
+              <a:t>5/13/2018</a:t>
             </a:fld>
             <a:endParaRPr lang="en-US" dirty="0"/>
           </a:p>
@@ -4331,7 +4360,7 @@
             <a:fld id="{B61BEF0D-F0BB-DE4B-95CE-6DB70DBA9567}" type="datetimeFigureOut">
               <a:rPr lang="en-US" dirty="0"/>
               <a:pPr/>
-              <a:t>5/12/2018</a:t>
+              <a:t>5/13/2018</a:t>
             </a:fld>
             <a:endParaRPr lang="en-US" dirty="0"/>
           </a:p>
@@ -4661,7 +4690,7 @@
             <a:fld id="{B61BEF0D-F0BB-DE4B-95CE-6DB70DBA9567}" type="datetimeFigureOut">
               <a:rPr lang="en-US" dirty="0"/>
               <a:pPr/>
-              <a:t>5/12/2018</a:t>
+              <a:t>5/13/2018</a:t>
             </a:fld>
             <a:endParaRPr lang="en-US" dirty="0"/>
           </a:p>
@@ -5003,7 +5032,7 @@
             <a:fld id="{B61BEF0D-F0BB-DE4B-95CE-6DB70DBA9567}" type="datetimeFigureOut">
               <a:rPr lang="en-US" dirty="0"/>
               <a:pPr/>
-              <a:t>5/12/2018</a:t>
+              <a:t>5/13/2018</a:t>
             </a:fld>
             <a:endParaRPr lang="en-US" dirty="0"/>
           </a:p>
@@ -7117,7 +7146,7 @@
             <a:fld id="{B61BEF0D-F0BB-DE4B-95CE-6DB70DBA9567}" type="datetimeFigureOut">
               <a:rPr lang="en-US" dirty="0"/>
               <a:pPr/>
-              <a:t>5/12/2018</a:t>
+              <a:t>5/13/2018</a:t>
             </a:fld>
             <a:endParaRPr lang="en-US" dirty="0"/>
           </a:p>
@@ -7744,22 +7773,14 @@
           </a:p>
           <a:p>
             <a:r>
-              <a:rPr lang="de-DE" dirty="0" err="1"/>
-              <a:t>BetreuerThomas</a:t>
-            </a:r>
-            <a:r>
-              <a:rPr lang="de-DE" dirty="0"/>
-              <a:t> Weißgerber</a:t>
-            </a:r>
-          </a:p>
-          <a:p>
-            <a:r>
-              <a:rPr lang="de-DE" dirty="0" err="1"/>
-              <a:t>Proffessor</a:t>
-            </a:r>
-            <a:r>
-              <a:rPr lang="de-DE" dirty="0"/>
-              <a:t> Dr. Kosch</a:t>
+              <a:rPr lang="de-DE" dirty="0"/>
+              <a:t>Betreuer Thomas Weißgerber</a:t>
+            </a:r>
+          </a:p>
+          <a:p>
+            <a:r>
+              <a:rPr lang="de-DE" dirty="0"/>
+              <a:t>Professor Dr. Kosch</a:t>
             </a:r>
           </a:p>
           <a:p>
@@ -7826,28 +7847,511 @@
           </a:p>
         </p:txBody>
       </p:sp>
-      <p:sp>
-        <p:nvSpPr>
-          <p:cNvPr id="3" name="Inhaltsplatzhalter 2">
+      <p:graphicFrame>
+        <p:nvGraphicFramePr>
+          <p:cNvPr id="11" name="Inhaltsplatzhalter 10">
             <a:extLst>
               <a:ext uri="{FF2B5EF4-FFF2-40B4-BE49-F238E27FC236}">
-                <a16:creationId xmlns:a16="http://schemas.microsoft.com/office/drawing/2014/main" id="{60718828-08D1-4B99-8107-7C7E85B0DF50}"/>
+                <a16:creationId xmlns:a16="http://schemas.microsoft.com/office/drawing/2014/main" id="{99C2B4E1-7032-481F-9620-D4A86A64841C}"/>
               </a:ext>
             </a:extLst>
           </p:cNvPr>
-          <p:cNvSpPr>
-            <a:spLocks noGrp="1"/>
-          </p:cNvSpPr>
+          <p:cNvGraphicFramePr>
+            <a:graphicFrameLocks noGrp="1"/>
+          </p:cNvGraphicFramePr>
           <p:nvPr>
             <p:ph idx="1"/>
-          </p:nvPr>
-        </p:nvSpPr>
-        <p:spPr/>
-        <p:txBody>
-          <a:bodyPr/>
+            <p:extLst>
+              <p:ext uri="{D42A27DB-BD31-4B8C-83A1-F6EECF244321}">
+                <p14:modId xmlns:p14="http://schemas.microsoft.com/office/powerpoint/2010/main" val="1044227280"/>
+              </p:ext>
+            </p:extLst>
+          </p:nvPr>
+        </p:nvGraphicFramePr>
+        <p:xfrm>
+          <a:off x="2589213" y="2133600"/>
+          <a:ext cx="8915400" cy="2372360"/>
+        </p:xfrm>
+        <a:graphic>
+          <a:graphicData uri="http://schemas.openxmlformats.org/drawingml/2006/table">
+            <a:tbl>
+              <a:tblPr firstRow="1" bandRow="1">
+                <a:tableStyleId>{5C22544A-7EE6-4342-B048-85BDC9FD1C3A}</a:tableStyleId>
+              </a:tblPr>
+              <a:tblGrid>
+                <a:gridCol w="2228850">
+                  <a:extLst>
+                    <a:ext uri="{9D8B030D-6E8A-4147-A177-3AD203B41FA5}">
+                      <a16:colId xmlns:a16="http://schemas.microsoft.com/office/drawing/2014/main" val="4207123500"/>
+                    </a:ext>
+                  </a:extLst>
+                </a:gridCol>
+                <a:gridCol w="2228850">
+                  <a:extLst>
+                    <a:ext uri="{9D8B030D-6E8A-4147-A177-3AD203B41FA5}">
+                      <a16:colId xmlns:a16="http://schemas.microsoft.com/office/drawing/2014/main" val="1274542461"/>
+                    </a:ext>
+                  </a:extLst>
+                </a:gridCol>
+                <a:gridCol w="2228850">
+                  <a:extLst>
+                    <a:ext uri="{9D8B030D-6E8A-4147-A177-3AD203B41FA5}">
+                      <a16:colId xmlns:a16="http://schemas.microsoft.com/office/drawing/2014/main" val="41959606"/>
+                    </a:ext>
+                  </a:extLst>
+                </a:gridCol>
+                <a:gridCol w="2228850">
+                  <a:extLst>
+                    <a:ext uri="{9D8B030D-6E8A-4147-A177-3AD203B41FA5}">
+                      <a16:colId xmlns:a16="http://schemas.microsoft.com/office/drawing/2014/main" val="3117775012"/>
+                    </a:ext>
+                  </a:extLst>
+                </a:gridCol>
+              </a:tblGrid>
+              <a:tr h="518160">
+                <a:tc>
+                  <a:txBody>
+                    <a:bodyPr/>
+                    <a:lstStyle/>
+                    <a:p>
+                      <a:r>
+                        <a:rPr lang="de-DE" dirty="0" err="1"/>
+                        <a:t>Classifier</a:t>
+                      </a:r>
+                      <a:endParaRPr lang="de-DE" dirty="0"/>
+                    </a:p>
+                  </a:txBody>
+                  <a:tcPr/>
+                </a:tc>
+                <a:tc>
+                  <a:txBody>
+                    <a:bodyPr/>
+                    <a:lstStyle/>
+                    <a:p>
+                      <a:r>
+                        <a:rPr lang="de-DE" dirty="0"/>
+                        <a:t>Precision</a:t>
+                      </a:r>
+                    </a:p>
+                  </a:txBody>
+                  <a:tcPr/>
+                </a:tc>
+                <a:tc>
+                  <a:txBody>
+                    <a:bodyPr/>
+                    <a:lstStyle/>
+                    <a:p>
+                      <a:r>
+                        <a:rPr lang="de-DE" dirty="0"/>
+                        <a:t>Recall</a:t>
+                      </a:r>
+                    </a:p>
+                  </a:txBody>
+                  <a:tcPr/>
+                </a:tc>
+                <a:tc>
+                  <a:txBody>
+                    <a:bodyPr/>
+                    <a:lstStyle/>
+                    <a:p>
+                      <a:r>
+                        <a:rPr lang="de-DE" dirty="0" err="1"/>
+                        <a:t>Accuracy</a:t>
+                      </a:r>
+                      <a:endParaRPr lang="de-DE" dirty="0"/>
+                    </a:p>
+                  </a:txBody>
+                  <a:tcPr/>
+                </a:tc>
+                <a:extLst>
+                  <a:ext uri="{0D108BD9-81ED-4DB2-BD59-A6C34878D82A}">
+                    <a16:rowId xmlns:a16="http://schemas.microsoft.com/office/drawing/2014/main" val="3586822940"/>
+                  </a:ext>
+                </a:extLst>
+              </a:tr>
+              <a:tr h="370840">
+                <a:tc>
+                  <a:txBody>
+                    <a:bodyPr/>
+                    <a:lstStyle/>
+                    <a:p>
+                      <a:r>
+                        <a:rPr lang="de-DE" dirty="0"/>
+                        <a:t>SVM</a:t>
+                      </a:r>
+                    </a:p>
+                  </a:txBody>
+                  <a:tcPr/>
+                </a:tc>
+                <a:tc>
+                  <a:txBody>
+                    <a:bodyPr/>
+                    <a:lstStyle/>
+                    <a:p>
+                      <a:r>
+                        <a:rPr lang="de-DE" dirty="0"/>
+                        <a:t>+++</a:t>
+                      </a:r>
+                    </a:p>
+                  </a:txBody>
+                  <a:tcPr/>
+                </a:tc>
+                <a:tc>
+                  <a:txBody>
+                    <a:bodyPr/>
+                    <a:lstStyle/>
+                    <a:p>
+                      <a:r>
+                        <a:rPr lang="de-DE" dirty="0"/>
+                        <a:t>++</a:t>
+                      </a:r>
+                    </a:p>
+                  </a:txBody>
+                  <a:tcPr/>
+                </a:tc>
+                <a:tc>
+                  <a:txBody>
+                    <a:bodyPr/>
+                    <a:lstStyle/>
+                    <a:p>
+                      <a:r>
+                        <a:rPr lang="de-DE" dirty="0"/>
+                        <a:t>++</a:t>
+                      </a:r>
+                    </a:p>
+                  </a:txBody>
+                  <a:tcPr/>
+                </a:tc>
+                <a:extLst>
+                  <a:ext uri="{0D108BD9-81ED-4DB2-BD59-A6C34878D82A}">
+                    <a16:rowId xmlns:a16="http://schemas.microsoft.com/office/drawing/2014/main" val="123536083"/>
+                  </a:ext>
+                </a:extLst>
+              </a:tr>
+              <a:tr h="370840">
+                <a:tc>
+                  <a:txBody>
+                    <a:bodyPr/>
+                    <a:lstStyle/>
+                    <a:p>
+                      <a:r>
+                        <a:rPr lang="de-DE" dirty="0" err="1"/>
+                        <a:t>Gaussian</a:t>
+                      </a:r>
+                      <a:r>
+                        <a:rPr lang="de-DE" dirty="0"/>
+                        <a:t> NB</a:t>
+                      </a:r>
+                    </a:p>
+                  </a:txBody>
+                  <a:tcPr/>
+                </a:tc>
+                <a:tc>
+                  <a:txBody>
+                    <a:bodyPr/>
+                    <a:lstStyle/>
+                    <a:p>
+                      <a:r>
+                        <a:rPr lang="de-DE" dirty="0"/>
+                        <a:t>+</a:t>
+                      </a:r>
+                    </a:p>
+                  </a:txBody>
+                  <a:tcPr/>
+                </a:tc>
+                <a:tc>
+                  <a:txBody>
+                    <a:bodyPr/>
+                    <a:lstStyle/>
+                    <a:p>
+                      <a:r>
+                        <a:rPr lang="de-DE" dirty="0"/>
+                        <a:t>++</a:t>
+                      </a:r>
+                    </a:p>
+                  </a:txBody>
+                  <a:tcPr/>
+                </a:tc>
+                <a:tc>
+                  <a:txBody>
+                    <a:bodyPr/>
+                    <a:lstStyle/>
+                    <a:p>
+                      <a:r>
+                        <a:rPr lang="de-DE" dirty="0"/>
+                        <a:t>+</a:t>
+                      </a:r>
+                    </a:p>
+                  </a:txBody>
+                  <a:tcPr/>
+                </a:tc>
+                <a:extLst>
+                  <a:ext uri="{0D108BD9-81ED-4DB2-BD59-A6C34878D82A}">
+                    <a16:rowId xmlns:a16="http://schemas.microsoft.com/office/drawing/2014/main" val="4239574647"/>
+                  </a:ext>
+                </a:extLst>
+              </a:tr>
+              <a:tr h="370840">
+                <a:tc>
+                  <a:txBody>
+                    <a:bodyPr/>
+                    <a:lstStyle/>
+                    <a:p>
+                      <a:r>
+                        <a:rPr lang="de-DE" dirty="0"/>
+                        <a:t>Bernoulli NB</a:t>
+                      </a:r>
+                    </a:p>
+                  </a:txBody>
+                  <a:tcPr/>
+                </a:tc>
+                <a:tc>
+                  <a:txBody>
+                    <a:bodyPr/>
+                    <a:lstStyle/>
+                    <a:p>
+                      <a:r>
+                        <a:rPr lang="de-DE" dirty="0"/>
+                        <a:t>++</a:t>
+                      </a:r>
+                    </a:p>
+                  </a:txBody>
+                  <a:tcPr/>
+                </a:tc>
+                <a:tc>
+                  <a:txBody>
+                    <a:bodyPr/>
+                    <a:lstStyle/>
+                    <a:p>
+                      <a:r>
+                        <a:rPr lang="de-DE" dirty="0"/>
+                        <a:t>++</a:t>
+                      </a:r>
+                    </a:p>
+                  </a:txBody>
+                  <a:tcPr/>
+                </a:tc>
+                <a:tc>
+                  <a:txBody>
+                    <a:bodyPr/>
+                    <a:lstStyle/>
+                    <a:p>
+                      <a:r>
+                        <a:rPr lang="de-DE" dirty="0"/>
+                        <a:t>++</a:t>
+                      </a:r>
+                    </a:p>
+                  </a:txBody>
+                  <a:tcPr/>
+                </a:tc>
+                <a:extLst>
+                  <a:ext uri="{0D108BD9-81ED-4DB2-BD59-A6C34878D82A}">
+                    <a16:rowId xmlns:a16="http://schemas.microsoft.com/office/drawing/2014/main" val="4045833049"/>
+                  </a:ext>
+                </a:extLst>
+              </a:tr>
+              <a:tr h="370840">
+                <a:tc>
+                  <a:txBody>
+                    <a:bodyPr/>
+                    <a:lstStyle/>
+                    <a:p>
+                      <a:r>
+                        <a:rPr lang="de-DE" dirty="0"/>
+                        <a:t>Neuronal</a:t>
+                      </a:r>
+                    </a:p>
+                  </a:txBody>
+                  <a:tcPr/>
+                </a:tc>
+                <a:tc>
+                  <a:txBody>
+                    <a:bodyPr/>
+                    <a:lstStyle/>
+                    <a:p>
+                      <a:r>
+                        <a:rPr lang="de-DE" dirty="0"/>
+                        <a:t>++</a:t>
+                      </a:r>
+                    </a:p>
+                  </a:txBody>
+                  <a:tcPr/>
+                </a:tc>
+                <a:tc>
+                  <a:txBody>
+                    <a:bodyPr/>
+                    <a:lstStyle/>
+                    <a:p>
+                      <a:r>
+                        <a:rPr lang="de-DE" dirty="0"/>
+                        <a:t>++</a:t>
+                      </a:r>
+                    </a:p>
+                  </a:txBody>
+                  <a:tcPr/>
+                </a:tc>
+                <a:tc>
+                  <a:txBody>
+                    <a:bodyPr/>
+                    <a:lstStyle/>
+                    <a:p>
+                      <a:r>
+                        <a:rPr lang="de-DE" dirty="0"/>
+                        <a:t>++</a:t>
+                      </a:r>
+                    </a:p>
+                  </a:txBody>
+                  <a:tcPr/>
+                </a:tc>
+                <a:extLst>
+                  <a:ext uri="{0D108BD9-81ED-4DB2-BD59-A6C34878D82A}">
+                    <a16:rowId xmlns:a16="http://schemas.microsoft.com/office/drawing/2014/main" val="4189038819"/>
+                  </a:ext>
+                </a:extLst>
+              </a:tr>
+              <a:tr h="370840">
+                <a:tc>
+                  <a:txBody>
+                    <a:bodyPr/>
+                    <a:lstStyle/>
+                    <a:p>
+                      <a:r>
+                        <a:rPr lang="de-DE" dirty="0"/>
+                        <a:t>KNN</a:t>
+                      </a:r>
+                    </a:p>
+                  </a:txBody>
+                  <a:tcPr/>
+                </a:tc>
+                <a:tc>
+                  <a:txBody>
+                    <a:bodyPr/>
+                    <a:lstStyle/>
+                    <a:p>
+                      <a:r>
+                        <a:rPr lang="de-DE" dirty="0"/>
+                        <a:t>--</a:t>
+                      </a:r>
+                    </a:p>
+                  </a:txBody>
+                  <a:tcPr/>
+                </a:tc>
+                <a:tc>
+                  <a:txBody>
+                    <a:bodyPr/>
+                    <a:lstStyle/>
+                    <a:p>
+                      <a:r>
+                        <a:rPr lang="de-DE" dirty="0"/>
+                        <a:t>-</a:t>
+                      </a:r>
+                    </a:p>
+                  </a:txBody>
+                  <a:tcPr/>
+                </a:tc>
+                <a:tc>
+                  <a:txBody>
+                    <a:bodyPr/>
+                    <a:lstStyle/>
+                    <a:p>
+                      <a:r>
+                        <a:rPr lang="de-DE" dirty="0"/>
+                        <a:t>-</a:t>
+                      </a:r>
+                    </a:p>
+                  </a:txBody>
+                  <a:tcPr/>
+                </a:tc>
+                <a:extLst>
+                  <a:ext uri="{0D108BD9-81ED-4DB2-BD59-A6C34878D82A}">
+                    <a16:rowId xmlns:a16="http://schemas.microsoft.com/office/drawing/2014/main" val="83966465"/>
+                  </a:ext>
+                </a:extLst>
+              </a:tr>
+            </a:tbl>
+          </a:graphicData>
+        </a:graphic>
+      </p:graphicFrame>
+      <p:sp>
+        <p:nvSpPr>
+          <p:cNvPr id="13" name="Textfeld 12">
+            <a:extLst>
+              <a:ext uri="{FF2B5EF4-FFF2-40B4-BE49-F238E27FC236}">
+                <a16:creationId xmlns:a16="http://schemas.microsoft.com/office/drawing/2014/main" id="{215F744A-256B-440E-BC17-E50D2D75463E}"/>
+              </a:ext>
+            </a:extLst>
+          </p:cNvPr>
+          <p:cNvSpPr txBox="1"/>
+          <p:nvPr/>
+        </p:nvSpPr>
+        <p:spPr>
+          <a:xfrm>
+            <a:off x="2358887" y="5035826"/>
+            <a:ext cx="9145725" cy="923330"/>
+          </a:xfrm>
+          <a:prstGeom prst="rect">
+            <a:avLst/>
+          </a:prstGeom>
+          <a:noFill/>
+        </p:spPr>
+        <p:txBody>
+          <a:bodyPr wrap="square" rtlCol="0">
+            <a:spAutoFit/>
+          </a:bodyPr>
           <a:lstStyle/>
           <a:p>
-            <a:endParaRPr lang="de-DE"/>
+            <a:r>
+              <a:rPr lang="de-DE" dirty="0"/>
+              <a:t>- Best Precision Score: SVM 88% (Content, </a:t>
+            </a:r>
+            <a:r>
+              <a:rPr lang="de-DE" dirty="0" err="1"/>
+              <a:t>Subject</a:t>
+            </a:r>
+            <a:r>
+              <a:rPr lang="de-DE" dirty="0"/>
+              <a:t>, Time, Attachment) </a:t>
+            </a:r>
+          </a:p>
+          <a:p>
+            <a:pPr marL="285750" indent="-285750">
+              <a:buFontTx/>
+              <a:buChar char="-"/>
+            </a:pPr>
+            <a:r>
+              <a:rPr lang="de-DE" dirty="0"/>
+              <a:t>Best Recall Score: Bernoulli NB 94%  (</a:t>
+            </a:r>
+            <a:r>
+              <a:rPr lang="de-DE" dirty="0" err="1"/>
+              <a:t>Subject</a:t>
+            </a:r>
+            <a:r>
+              <a:rPr lang="de-DE" dirty="0"/>
+              <a:t>)</a:t>
+            </a:r>
+          </a:p>
+          <a:p>
+            <a:r>
+              <a:rPr lang="de-DE" dirty="0"/>
+              <a:t>- Best </a:t>
+            </a:r>
+            <a:r>
+              <a:rPr lang="de-DE" dirty="0" err="1"/>
+              <a:t>Accuracy</a:t>
+            </a:r>
+            <a:r>
+              <a:rPr lang="de-DE" dirty="0"/>
+              <a:t> Score: SVM 85% (Content, </a:t>
+            </a:r>
+            <a:r>
+              <a:rPr lang="de-DE" dirty="0" err="1"/>
+              <a:t>Subject</a:t>
+            </a:r>
+            <a:r>
+              <a:rPr lang="de-DE" dirty="0"/>
+              <a:t>, Time, Attachment)</a:t>
+            </a:r>
           </a:p>
         </p:txBody>
       </p:sp>
@@ -7904,12 +8408,17 @@
           <a:p>
             <a:r>
               <a:rPr lang="de-DE" dirty="0" err="1"/>
-              <a:t>Results</a:t>
-            </a:r>
-            <a:r>
-              <a:rPr lang="de-DE" dirty="0"/>
-              <a:t>	</a:t>
-            </a:r>
+              <a:t>Conclusion</a:t>
+            </a:r>
+            <a:r>
+              <a:rPr lang="de-DE" dirty="0"/>
+              <a:t>/</a:t>
+            </a:r>
+            <a:r>
+              <a:rPr lang="de-DE" dirty="0" err="1"/>
+              <a:t>Recommendation</a:t>
+            </a:r>
+            <a:endParaRPr lang="de-DE" dirty="0"/>
           </a:p>
         </p:txBody>
       </p:sp>
@@ -7936,6 +8445,28 @@
           <a:p>
             <a:r>
               <a:rPr lang="de-DE" dirty="0"/>
+              <a:t>SVM </a:t>
+            </a:r>
+            <a:r>
+              <a:rPr lang="de-DE" dirty="0" err="1"/>
+              <a:t>followed</a:t>
+            </a:r>
+            <a:r>
+              <a:rPr lang="de-DE" dirty="0"/>
+              <a:t> </a:t>
+            </a:r>
+            <a:r>
+              <a:rPr lang="de-DE" dirty="0" err="1"/>
+              <a:t>by</a:t>
+            </a:r>
+            <a:r>
+              <a:rPr lang="de-DE" dirty="0"/>
+              <a:t> Neuronal</a:t>
+            </a:r>
+          </a:p>
+          <a:p>
+            <a:r>
+              <a:rPr lang="de-DE" dirty="0"/>
               <a:t>Not </a:t>
             </a:r>
             <a:r>
@@ -7966,21 +8497,84 @@
               <a:rPr lang="de-DE" dirty="0" err="1"/>
               <a:t>useful</a:t>
             </a:r>
+            <a:r>
+              <a:rPr lang="de-DE" dirty="0"/>
+              <a:t> (KNN)</a:t>
+            </a:r>
+          </a:p>
+          <a:p>
+            <a:r>
+              <a:rPr lang="de-DE" dirty="0"/>
+              <a:t>More Features != </a:t>
+            </a:r>
+            <a:r>
+              <a:rPr lang="de-DE" dirty="0" err="1"/>
+              <a:t>higher</a:t>
+            </a:r>
+            <a:r>
+              <a:rPr lang="de-DE" dirty="0"/>
+              <a:t> Precision  </a:t>
+            </a:r>
+            <a:r>
+              <a:rPr lang="de-DE" dirty="0" err="1"/>
+              <a:t>better</a:t>
+            </a:r>
+            <a:r>
+              <a:rPr lang="de-DE" dirty="0"/>
+              <a:t> </a:t>
+            </a:r>
+            <a:r>
+              <a:rPr lang="de-DE" dirty="0" err="1"/>
+              <a:t>use</a:t>
+            </a:r>
+            <a:r>
+              <a:rPr lang="de-DE" dirty="0"/>
+              <a:t>  </a:t>
+            </a:r>
+            <a:r>
+              <a:rPr lang="de-DE" dirty="0" err="1"/>
+              <a:t>more</a:t>
+            </a:r>
+            <a:r>
+              <a:rPr lang="de-DE" dirty="0"/>
+              <a:t> </a:t>
+            </a:r>
+            <a:r>
+              <a:rPr lang="de-DE" dirty="0" err="1"/>
+              <a:t>specific</a:t>
+            </a:r>
             <a:endParaRPr lang="de-DE" dirty="0"/>
           </a:p>
           <a:p>
             <a:r>
-              <a:rPr lang="de-DE" dirty="0"/>
-              <a:t>More Features != </a:t>
-            </a:r>
-            <a:r>
-              <a:rPr lang="de-DE" dirty="0" err="1"/>
-              <a:t>higher</a:t>
-            </a:r>
-            <a:r>
-              <a:rPr lang="de-DE" dirty="0"/>
-              <a:t> Precision</a:t>
-            </a:r>
+              <a:rPr lang="de-DE" dirty="0" err="1"/>
+              <a:t>Verify</a:t>
+            </a:r>
+            <a:r>
+              <a:rPr lang="de-DE" dirty="0"/>
+              <a:t> benchmark </a:t>
+            </a:r>
+            <a:r>
+              <a:rPr lang="de-DE" dirty="0" err="1"/>
+              <a:t>to</a:t>
+            </a:r>
+            <a:r>
+              <a:rPr lang="de-DE" dirty="0"/>
+              <a:t> </a:t>
+            </a:r>
+            <a:r>
+              <a:rPr lang="de-DE" dirty="0" err="1"/>
+              <a:t>brute-force</a:t>
+            </a:r>
+            <a:r>
+              <a:rPr lang="de-DE" dirty="0"/>
+              <a:t> </a:t>
+            </a:r>
+            <a:r>
+              <a:rPr lang="de-DE" dirty="0" err="1"/>
+              <a:t>approach</a:t>
+            </a:r>
+            <a:endParaRPr lang="de-DE" dirty="0"/>
           </a:p>
           <a:p>
             <a:r>
@@ -8019,6 +8613,22 @@
               <a:rPr lang="de-DE" dirty="0"/>
               <a:t> Precision </a:t>
             </a:r>
+          </a:p>
+          <a:p>
+            <a:pPr lvl="1"/>
+            <a:r>
+              <a:rPr lang="de-DE" dirty="0"/>
+              <a:t>Like a </a:t>
+            </a:r>
+            <a:r>
+              <a:rPr lang="de-DE" dirty="0" err="1"/>
+              <a:t>spamfilter</a:t>
+            </a:r>
+            <a:endParaRPr lang="de-DE" dirty="0"/>
+          </a:p>
+          <a:p>
+            <a:pPr lvl="1"/>
+            <a:endParaRPr lang="de-DE" dirty="0"/>
           </a:p>
         </p:txBody>
       </p:sp>
@@ -8313,7 +8923,12 @@
             <p:ph type="title"/>
           </p:nvPr>
         </p:nvSpPr>
-        <p:spPr/>
+        <p:spPr>
+          <a:xfrm>
+            <a:off x="2592925" y="637362"/>
+            <a:ext cx="8911687" cy="1280890"/>
+          </a:xfrm>
+        </p:spPr>
         <p:txBody>
           <a:bodyPr/>
           <a:lstStyle/>
@@ -8502,8 +9117,26 @@
           </a:p>
           <a:p>
             <a:r>
-              <a:rPr lang="de-DE" dirty="0" err="1"/>
-              <a:t>Digitalisation</a:t>
+              <a:rPr lang="de-DE" dirty="0"/>
+              <a:t>Osram </a:t>
+            </a:r>
+            <a:r>
+              <a:rPr lang="de-DE" dirty="0" err="1"/>
+              <a:t>goes</a:t>
+            </a:r>
+            <a:r>
+              <a:rPr lang="de-DE" dirty="0"/>
+              <a:t> DIGITAL</a:t>
+            </a:r>
+          </a:p>
+          <a:p>
+            <a:r>
+              <a:rPr lang="de-DE" dirty="0"/>
+              <a:t>Automatisation </a:t>
+            </a:r>
+            <a:r>
+              <a:rPr lang="de-DE" dirty="0" err="1"/>
+              <a:t>of</a:t>
             </a:r>
             <a:r>
               <a:rPr lang="de-DE" dirty="0"/>
@@ -8511,58 +9144,7 @@
             </a:r>
             <a:r>
               <a:rPr lang="de-DE" dirty="0" err="1"/>
-              <a:t>process</a:t>
-            </a:r>
-            <a:r>
-              <a:rPr lang="de-DE" dirty="0"/>
-              <a:t> </a:t>
-            </a:r>
-            <a:r>
-              <a:rPr lang="de-DE" dirty="0" err="1"/>
-              <a:t>of</a:t>
-            </a:r>
-            <a:r>
-              <a:rPr lang="de-DE" dirty="0"/>
-              <a:t> </a:t>
-            </a:r>
-            <a:r>
-              <a:rPr lang="de-DE" dirty="0" err="1"/>
-              <a:t>the</a:t>
-            </a:r>
-            <a:r>
-              <a:rPr lang="de-DE" dirty="0"/>
-              <a:t> </a:t>
-            </a:r>
-            <a:r>
-              <a:rPr lang="de-DE" dirty="0" err="1"/>
-              <a:t>company</a:t>
-            </a:r>
-            <a:endParaRPr lang="de-DE" dirty="0"/>
-          </a:p>
-          <a:p>
-            <a:r>
-              <a:rPr lang="de-DE" dirty="0"/>
-              <a:t>Automatisation </a:t>
-            </a:r>
-            <a:r>
-              <a:rPr lang="de-DE" dirty="0" err="1"/>
-              <a:t>of</a:t>
-            </a:r>
-            <a:r>
-              <a:rPr lang="de-DE" dirty="0"/>
-              <a:t> </a:t>
-            </a:r>
-            <a:r>
-              <a:rPr lang="de-DE" dirty="0" err="1"/>
-              <a:t>business</a:t>
-            </a:r>
-            <a:r>
-              <a:rPr lang="de-DE" dirty="0"/>
-              <a:t> </a:t>
-            </a:r>
-            <a:r>
-              <a:rPr lang="de-DE" dirty="0" err="1"/>
-              <a:t>processes</a:t>
+              <a:t>workstreams</a:t>
             </a:r>
             <a:endParaRPr lang="de-DE" dirty="0"/>
           </a:p>
@@ -8689,8 +9271,8 @@
         </p:nvSpPr>
         <p:spPr>
           <a:xfrm>
-            <a:off x="1709530" y="1905000"/>
-            <a:ext cx="9795082" cy="4006222"/>
+            <a:off x="1444487" y="1905000"/>
+            <a:ext cx="10747513" cy="4787348"/>
           </a:xfrm>
         </p:spPr>
         <p:txBody>
@@ -8816,6 +9398,49 @@
             <a:endParaRPr lang="de-DE" dirty="0"/>
           </a:p>
           <a:p>
+            <a:r>
+              <a:rPr lang="de-DE" dirty="0"/>
+              <a:t>This Thesis </a:t>
+            </a:r>
+            <a:r>
+              <a:rPr lang="de-DE" dirty="0" err="1"/>
+              <a:t>only</a:t>
+            </a:r>
+            <a:r>
+              <a:rPr lang="de-DE" dirty="0"/>
+              <a:t> </a:t>
+            </a:r>
+            <a:r>
+              <a:rPr lang="de-DE" dirty="0" err="1"/>
+              <a:t>covers</a:t>
+            </a:r>
+            <a:r>
+              <a:rPr lang="de-DE" dirty="0"/>
+              <a:t> </a:t>
+            </a:r>
+            <a:r>
+              <a:rPr lang="de-DE" dirty="0" err="1"/>
+              <a:t>the</a:t>
+            </a:r>
+            <a:r>
+              <a:rPr lang="de-DE" dirty="0"/>
+              <a:t> </a:t>
+            </a:r>
+            <a:r>
+              <a:rPr lang="de-DE" dirty="0" err="1"/>
+              <a:t>sorting</a:t>
+            </a:r>
+            <a:r>
+              <a:rPr lang="de-DE" dirty="0"/>
+              <a:t> </a:t>
+            </a:r>
+            <a:r>
+              <a:rPr lang="de-DE" dirty="0" err="1"/>
+              <a:t>process</a:t>
+            </a:r>
+            <a:endParaRPr lang="de-DE" dirty="0"/>
+          </a:p>
+          <a:p>
             <a:pPr marL="0" indent="0">
               <a:buNone/>
             </a:pPr>
@@ -8847,7 +9472,7 @@
             </a:r>
             <a:r>
               <a:rPr lang="de-DE" dirty="0"/>
-              <a:t>		     </a:t>
+              <a:t>		    		 </a:t>
             </a:r>
             <a:r>
               <a:rPr lang="de-DE" sz="2400" dirty="0" err="1"/>
@@ -8878,7 +9503,27 @@
             <a:pPr marL="0" indent="0">
               <a:buNone/>
             </a:pPr>
-            <a:endParaRPr lang="de-DE" dirty="0"/>
+            <a:r>
+              <a:rPr lang="de-DE" dirty="0"/>
+              <a:t>Quote/</a:t>
+            </a:r>
+            <a:r>
+              <a:rPr lang="de-DE" dirty="0" err="1"/>
+              <a:t>no</a:t>
+            </a:r>
+            <a:r>
+              <a:rPr lang="de-DE" dirty="0"/>
+              <a:t> </a:t>
+            </a:r>
+          </a:p>
+          <a:p>
+            <a:pPr marL="0" indent="0">
+              <a:buNone/>
+            </a:pPr>
+            <a:r>
+              <a:rPr lang="de-DE" dirty="0"/>
+              <a:t>Quote</a:t>
+            </a:r>
           </a:p>
           <a:p>
             <a:pPr marL="0" indent="0">
@@ -8905,7 +9550,7 @@
         </p:nvSpPr>
         <p:spPr>
           <a:xfrm>
-            <a:off x="2924357" y="4650124"/>
+            <a:off x="2856605" y="4912148"/>
             <a:ext cx="978408" cy="484632"/>
           </a:xfrm>
           <a:prstGeom prst="rightArrow">
@@ -8951,7 +9596,7 @@
         </p:nvSpPr>
         <p:spPr>
           <a:xfrm>
-            <a:off x="5276618" y="4650124"/>
+            <a:off x="5823651" y="4912148"/>
             <a:ext cx="978408" cy="484632"/>
           </a:xfrm>
           <a:prstGeom prst="rightArrow">
@@ -8997,7 +9642,7 @@
         </p:nvSpPr>
         <p:spPr>
           <a:xfrm>
-            <a:off x="9215498" y="4648735"/>
+            <a:off x="9769105" y="4912148"/>
             <a:ext cx="978408" cy="484632"/>
           </a:xfrm>
           <a:prstGeom prst="rightArrow">
@@ -9082,15 +9727,7 @@
           <a:p>
             <a:r>
               <a:rPr lang="de-DE" dirty="0" err="1"/>
-              <a:t>Usecase</a:t>
-            </a:r>
-            <a:r>
-              <a:rPr lang="de-DE" dirty="0"/>
-              <a:t> and </a:t>
-            </a:r>
-            <a:r>
-              <a:rPr lang="de-DE" dirty="0" err="1"/>
-              <a:t>difference</a:t>
+              <a:t>My</a:t>
             </a:r>
             <a:r>
               <a:rPr lang="de-DE" dirty="0"/>
@@ -9098,23 +9735,7 @@
             </a:r>
             <a:r>
               <a:rPr lang="de-DE" dirty="0" err="1"/>
-              <a:t>to</a:t>
-            </a:r>
-            <a:r>
-              <a:rPr lang="de-DE" dirty="0"/>
-              <a:t> </a:t>
-            </a:r>
-            <a:r>
-              <a:rPr lang="de-DE" dirty="0" err="1"/>
-              <a:t>other</a:t>
-            </a:r>
-            <a:r>
-              <a:rPr lang="de-DE" dirty="0"/>
-              <a:t> </a:t>
-            </a:r>
-            <a:r>
-              <a:rPr lang="de-DE" dirty="0" err="1"/>
-              <a:t>approaches</a:t>
+              <a:t>approach</a:t>
             </a:r>
             <a:endParaRPr lang="de-DE" dirty="0"/>
           </a:p>
@@ -9233,12 +9854,6 @@
             <a:pPr marL="0" indent="0">
               <a:buNone/>
             </a:pPr>
-            <a:endParaRPr lang="de-DE" dirty="0"/>
-          </a:p>
-          <a:p>
-            <a:pPr marL="0" indent="0">
-              <a:buNone/>
-            </a:pPr>
             <a:r>
               <a:rPr lang="de-DE" sz="3600" dirty="0"/>
               <a:t>Core </a:t>
@@ -9337,6 +9952,36 @@
           </a:p>
         </p:txBody>
       </p:sp>
+      <p:pic>
+        <p:nvPicPr>
+          <p:cNvPr id="4" name="Grafik 3">
+            <a:extLst>
+              <a:ext uri="{FF2B5EF4-FFF2-40B4-BE49-F238E27FC236}">
+                <a16:creationId xmlns:a16="http://schemas.microsoft.com/office/drawing/2014/main" id="{3992B6CC-61D2-4BA7-8B56-E75E9578F302}"/>
+              </a:ext>
+            </a:extLst>
+          </p:cNvPr>
+          <p:cNvPicPr>
+            <a:picLocks noChangeAspect="1"/>
+          </p:cNvPicPr>
+          <p:nvPr/>
+        </p:nvPicPr>
+        <p:blipFill>
+          <a:blip r:embed="rId2"/>
+          <a:stretch>
+            <a:fillRect/>
+          </a:stretch>
+        </p:blipFill>
+        <p:spPr>
+          <a:xfrm>
+            <a:off x="9355014" y="4953001"/>
+            <a:ext cx="2277061" cy="1827845"/>
+          </a:xfrm>
+          <a:prstGeom prst="rect">
+            <a:avLst/>
+          </a:prstGeom>
+        </p:spPr>
+      </p:pic>
     </p:spTree>
     <p:extLst>
       <p:ext uri="{BB962C8B-B14F-4D97-AF65-F5344CB8AC3E}">
@@ -9422,32 +10067,6 @@
             <a:normAutofit/>
           </a:bodyPr>
           <a:lstStyle/>
-          <a:p>
-            <a:r>
-              <a:rPr lang="de-DE" dirty="0" err="1"/>
-              <a:t>Sklearn</a:t>
-            </a:r>
-            <a:r>
-              <a:rPr lang="de-DE" dirty="0"/>
-              <a:t>, Feature raum erstellen warum diese </a:t>
-            </a:r>
-            <a:r>
-              <a:rPr lang="de-DE" dirty="0" err="1"/>
-              <a:t>features</a:t>
-            </a:r>
-            <a:r>
-              <a:rPr lang="de-DE" dirty="0"/>
-              <a:t>, warum Word </a:t>
-            </a:r>
-            <a:r>
-              <a:rPr lang="de-DE" dirty="0" err="1"/>
-              <a:t>embedding</a:t>
-            </a:r>
-            <a:r>
-              <a:rPr lang="de-DE" dirty="0"/>
-              <a:t> nicht </a:t>
-            </a:r>
-          </a:p>
           <a:p>
             <a:r>
               <a:rPr lang="de-DE" dirty="0" err="1"/>
@@ -9783,7 +10402,7 @@
             </a:r>
             <a:r>
               <a:rPr lang="de-DE" dirty="0"/>
-              <a:t> (n=7</a:t>
+              <a:t> (n=7)	</a:t>
             </a:r>
           </a:p>
           <a:p>
@@ -9890,6 +10509,18 @@
               <a:rPr lang="de-DE" dirty="0"/>
               <a:t> 300, 600, 900</a:t>
             </a:r>
+          </a:p>
+          <a:p>
+            <a:pPr lvl="1"/>
+            <a:r>
+              <a:rPr lang="de-DE" dirty="0"/>
+              <a:t>600 and 900 in </a:t>
+            </a:r>
+            <a:r>
+              <a:rPr lang="de-DE" dirty="0" err="1"/>
+              <a:t>progress</a:t>
+            </a:r>
+            <a:endParaRPr lang="de-DE" dirty="0"/>
           </a:p>
           <a:p>
             <a:pPr marL="0" indent="0">
@@ -10006,11 +10637,11 @@
             </a:r>
             <a:r>
               <a:rPr lang="de-DE" dirty="0"/>
-              <a:t> neuronal was not </a:t>
-            </a:r>
-            <a:r>
-              <a:rPr lang="de-DE" dirty="0" err="1"/>
-              <a:t>working</a:t>
+              <a:t> neuronal </a:t>
+            </a:r>
+            <a:r>
+              <a:rPr lang="de-DE" dirty="0" err="1"/>
+              <a:t>took</a:t>
             </a:r>
             <a:r>
               <a:rPr lang="de-DE" dirty="0"/>
@@ -10018,7 +10649,15 @@
             </a:r>
             <a:r>
               <a:rPr lang="de-DE" dirty="0" err="1"/>
-              <a:t>properly</a:t>
+              <a:t>very</a:t>
+            </a:r>
+            <a:r>
+              <a:rPr lang="de-DE" dirty="0"/>
+              <a:t> </a:t>
+            </a:r>
+            <a:r>
+              <a:rPr lang="de-DE" dirty="0" err="1"/>
+              <a:t>long</a:t>
             </a:r>
             <a:endParaRPr lang="de-DE" dirty="0"/>
           </a:p>
